--- a/Final Presentation Slides/team48finalpresentation_eric.pptx
+++ b/Final Presentation Slides/team48finalpresentation_eric.pptx
@@ -198,7 +198,7 @@
           <a:p>
             <a:fld id="{D854E5A2-560F-5042-B033-2870576C7FEE}" type="datetimeFigureOut">
               <a:rPr lang="en-US" smtClean="0"/>
-              <a:t>11/13/22</a:t>
+              <a:t>11/14/2022</a:t>
             </a:fld>
             <a:endParaRPr lang="en-US"/>
           </a:p>
@@ -612,7 +612,7 @@
           <a:p>
             <a:fld id="{9893EBB2-0F16-174A-81ED-0C7E96A52E91}" type="datetimeFigureOut">
               <a:rPr lang="en-US" smtClean="0"/>
-              <a:t>11/13/22</a:t>
+              <a:t>11/14/2022</a:t>
             </a:fld>
             <a:endParaRPr lang="en-US"/>
           </a:p>
@@ -810,7 +810,7 @@
           <a:p>
             <a:fld id="{9893EBB2-0F16-174A-81ED-0C7E96A52E91}" type="datetimeFigureOut">
               <a:rPr lang="en-US" smtClean="0"/>
-              <a:t>11/13/22</a:t>
+              <a:t>11/14/2022</a:t>
             </a:fld>
             <a:endParaRPr lang="en-US"/>
           </a:p>
@@ -1018,7 +1018,7 @@
           <a:p>
             <a:fld id="{9893EBB2-0F16-174A-81ED-0C7E96A52E91}" type="datetimeFigureOut">
               <a:rPr lang="en-US" smtClean="0"/>
-              <a:t>11/13/22</a:t>
+              <a:t>11/14/2022</a:t>
             </a:fld>
             <a:endParaRPr lang="en-US"/>
           </a:p>
@@ -1271,7 +1271,7 @@
           <a:p>
             <a:fld id="{9893EBB2-0F16-174A-81ED-0C7E96A52E91}" type="datetimeFigureOut">
               <a:rPr lang="en-US" smtClean="0"/>
-              <a:t>11/13/22</a:t>
+              <a:t>11/14/2022</a:t>
             </a:fld>
             <a:endParaRPr lang="en-US"/>
           </a:p>
@@ -1546,7 +1546,7 @@
           <a:p>
             <a:fld id="{9893EBB2-0F16-174A-81ED-0C7E96A52E91}" type="datetimeFigureOut">
               <a:rPr lang="en-US" smtClean="0"/>
-              <a:t>11/13/22</a:t>
+              <a:t>11/14/2022</a:t>
             </a:fld>
             <a:endParaRPr lang="en-US"/>
           </a:p>
@@ -1866,7 +1866,7 @@
           <a:p>
             <a:fld id="{9893EBB2-0F16-174A-81ED-0C7E96A52E91}" type="datetimeFigureOut">
               <a:rPr lang="en-US" smtClean="0"/>
-              <a:t>11/13/22</a:t>
+              <a:t>11/14/2022</a:t>
             </a:fld>
             <a:endParaRPr lang="en-US"/>
           </a:p>
@@ -2278,7 +2278,7 @@
           <a:p>
             <a:fld id="{9893EBB2-0F16-174A-81ED-0C7E96A52E91}" type="datetimeFigureOut">
               <a:rPr lang="en-US" smtClean="0"/>
-              <a:t>11/13/22</a:t>
+              <a:t>11/14/2022</a:t>
             </a:fld>
             <a:endParaRPr lang="en-US"/>
           </a:p>
@@ -2419,7 +2419,7 @@
           <a:p>
             <a:fld id="{9893EBB2-0F16-174A-81ED-0C7E96A52E91}" type="datetimeFigureOut">
               <a:rPr lang="en-US" smtClean="0"/>
-              <a:t>11/13/22</a:t>
+              <a:t>11/14/2022</a:t>
             </a:fld>
             <a:endParaRPr lang="en-US"/>
           </a:p>
@@ -2532,7 +2532,7 @@
           <a:p>
             <a:fld id="{9893EBB2-0F16-174A-81ED-0C7E96A52E91}" type="datetimeFigureOut">
               <a:rPr lang="en-US" smtClean="0"/>
-              <a:t>11/13/22</a:t>
+              <a:t>11/14/2022</a:t>
             </a:fld>
             <a:endParaRPr lang="en-US"/>
           </a:p>
@@ -2843,7 +2843,7 @@
           <a:p>
             <a:fld id="{9893EBB2-0F16-174A-81ED-0C7E96A52E91}" type="datetimeFigureOut">
               <a:rPr lang="en-US" smtClean="0"/>
-              <a:t>11/13/22</a:t>
+              <a:t>11/14/2022</a:t>
             </a:fld>
             <a:endParaRPr lang="en-US"/>
           </a:p>
@@ -3131,7 +3131,7 @@
           <a:p>
             <a:fld id="{9893EBB2-0F16-174A-81ED-0C7E96A52E91}" type="datetimeFigureOut">
               <a:rPr lang="en-US" smtClean="0"/>
-              <a:t>11/13/22</a:t>
+              <a:t>11/14/2022</a:t>
             </a:fld>
             <a:endParaRPr lang="en-US"/>
           </a:p>
@@ -3372,7 +3372,7 @@
           <a:p>
             <a:fld id="{9893EBB2-0F16-174A-81ED-0C7E96A52E91}" type="datetimeFigureOut">
               <a:rPr lang="en-US" smtClean="0"/>
-              <a:t>11/13/22</a:t>
+              <a:t>11/14/2022</a:t>
             </a:fld>
             <a:endParaRPr lang="en-US"/>
           </a:p>
@@ -8119,6 +8119,428 @@
   <p:clrMapOvr>
     <a:masterClrMapping/>
   </p:clrMapOvr>
+  <p:timing>
+    <p:tnLst>
+      <p:par>
+        <p:cTn id="1" dur="indefinite" restart="never" nodeType="tmRoot">
+          <p:childTnLst>
+            <p:seq concurrent="1" nextAc="seek">
+              <p:cTn id="2" dur="indefinite" nodeType="mainSeq">
+                <p:childTnLst>
+                  <p:par>
+                    <p:cTn id="3" fill="hold">
+                      <p:stCondLst>
+                        <p:cond delay="indefinite"/>
+                      </p:stCondLst>
+                      <p:childTnLst>
+                        <p:par>
+                          <p:cTn id="4" fill="hold">
+                            <p:stCondLst>
+                              <p:cond delay="0"/>
+                            </p:stCondLst>
+                            <p:childTnLst>
+                              <p:par>
+                                <p:cTn id="5" presetID="1" presetClass="entr" presetSubtype="0" fill="hold" nodeType="clickEffect">
+                                  <p:stCondLst>
+                                    <p:cond delay="0"/>
+                                  </p:stCondLst>
+                                  <p:childTnLst>
+                                    <p:set>
+                                      <p:cBhvr>
+                                        <p:cTn id="6" dur="1" fill="hold">
+                                          <p:stCondLst>
+                                            <p:cond delay="0"/>
+                                          </p:stCondLst>
+                                        </p:cTn>
+                                        <p:tgtEl>
+                                          <p:spTgt spid="6">
+                                            <p:txEl>
+                                              <p:pRg st="0" end="0"/>
+                                            </p:txEl>
+                                          </p:spTgt>
+                                        </p:tgtEl>
+                                        <p:attrNameLst>
+                                          <p:attrName>style.visibility</p:attrName>
+                                        </p:attrNameLst>
+                                      </p:cBhvr>
+                                      <p:to>
+                                        <p:strVal val="visible"/>
+                                      </p:to>
+                                    </p:set>
+                                  </p:childTnLst>
+                                </p:cTn>
+                              </p:par>
+                            </p:childTnLst>
+                          </p:cTn>
+                        </p:par>
+                      </p:childTnLst>
+                    </p:cTn>
+                  </p:par>
+                  <p:par>
+                    <p:cTn id="7" fill="hold">
+                      <p:stCondLst>
+                        <p:cond delay="indefinite"/>
+                      </p:stCondLst>
+                      <p:childTnLst>
+                        <p:par>
+                          <p:cTn id="8" fill="hold">
+                            <p:stCondLst>
+                              <p:cond delay="0"/>
+                            </p:stCondLst>
+                            <p:childTnLst>
+                              <p:par>
+                                <p:cTn id="9" presetID="1" presetClass="entr" presetSubtype="0" fill="hold" nodeType="clickEffect">
+                                  <p:stCondLst>
+                                    <p:cond delay="0"/>
+                                  </p:stCondLst>
+                                  <p:childTnLst>
+                                    <p:set>
+                                      <p:cBhvr>
+                                        <p:cTn id="10" dur="1" fill="hold">
+                                          <p:stCondLst>
+                                            <p:cond delay="0"/>
+                                          </p:stCondLst>
+                                        </p:cTn>
+                                        <p:tgtEl>
+                                          <p:spTgt spid="6">
+                                            <p:txEl>
+                                              <p:pRg st="1" end="1"/>
+                                            </p:txEl>
+                                          </p:spTgt>
+                                        </p:tgtEl>
+                                        <p:attrNameLst>
+                                          <p:attrName>style.visibility</p:attrName>
+                                        </p:attrNameLst>
+                                      </p:cBhvr>
+                                      <p:to>
+                                        <p:strVal val="visible"/>
+                                      </p:to>
+                                    </p:set>
+                                  </p:childTnLst>
+                                </p:cTn>
+                              </p:par>
+                            </p:childTnLst>
+                          </p:cTn>
+                        </p:par>
+                      </p:childTnLst>
+                    </p:cTn>
+                  </p:par>
+                  <p:par>
+                    <p:cTn id="11" fill="hold">
+                      <p:stCondLst>
+                        <p:cond delay="indefinite"/>
+                      </p:stCondLst>
+                      <p:childTnLst>
+                        <p:par>
+                          <p:cTn id="12" fill="hold">
+                            <p:stCondLst>
+                              <p:cond delay="0"/>
+                            </p:stCondLst>
+                            <p:childTnLst>
+                              <p:par>
+                                <p:cTn id="13" presetID="1" presetClass="entr" presetSubtype="0" fill="hold" nodeType="clickEffect">
+                                  <p:stCondLst>
+                                    <p:cond delay="0"/>
+                                  </p:stCondLst>
+                                  <p:childTnLst>
+                                    <p:set>
+                                      <p:cBhvr>
+                                        <p:cTn id="14" dur="1" fill="hold">
+                                          <p:stCondLst>
+                                            <p:cond delay="0"/>
+                                          </p:stCondLst>
+                                        </p:cTn>
+                                        <p:tgtEl>
+                                          <p:spTgt spid="6">
+                                            <p:txEl>
+                                              <p:pRg st="2" end="2"/>
+                                            </p:txEl>
+                                          </p:spTgt>
+                                        </p:tgtEl>
+                                        <p:attrNameLst>
+                                          <p:attrName>style.visibility</p:attrName>
+                                        </p:attrNameLst>
+                                      </p:cBhvr>
+                                      <p:to>
+                                        <p:strVal val="visible"/>
+                                      </p:to>
+                                    </p:set>
+                                  </p:childTnLst>
+                                </p:cTn>
+                              </p:par>
+                            </p:childTnLst>
+                          </p:cTn>
+                        </p:par>
+                      </p:childTnLst>
+                    </p:cTn>
+                  </p:par>
+                  <p:par>
+                    <p:cTn id="15" fill="hold">
+                      <p:stCondLst>
+                        <p:cond delay="indefinite"/>
+                      </p:stCondLst>
+                      <p:childTnLst>
+                        <p:par>
+                          <p:cTn id="16" fill="hold">
+                            <p:stCondLst>
+                              <p:cond delay="0"/>
+                            </p:stCondLst>
+                            <p:childTnLst>
+                              <p:par>
+                                <p:cTn id="17" presetID="1" presetClass="entr" presetSubtype="0" fill="hold" nodeType="clickEffect">
+                                  <p:stCondLst>
+                                    <p:cond delay="0"/>
+                                  </p:stCondLst>
+                                  <p:childTnLst>
+                                    <p:set>
+                                      <p:cBhvr>
+                                        <p:cTn id="18" dur="1" fill="hold">
+                                          <p:stCondLst>
+                                            <p:cond delay="0"/>
+                                          </p:stCondLst>
+                                        </p:cTn>
+                                        <p:tgtEl>
+                                          <p:spTgt spid="6">
+                                            <p:txEl>
+                                              <p:pRg st="3" end="3"/>
+                                            </p:txEl>
+                                          </p:spTgt>
+                                        </p:tgtEl>
+                                        <p:attrNameLst>
+                                          <p:attrName>style.visibility</p:attrName>
+                                        </p:attrNameLst>
+                                      </p:cBhvr>
+                                      <p:to>
+                                        <p:strVal val="visible"/>
+                                      </p:to>
+                                    </p:set>
+                                  </p:childTnLst>
+                                </p:cTn>
+                              </p:par>
+                            </p:childTnLst>
+                          </p:cTn>
+                        </p:par>
+                      </p:childTnLst>
+                    </p:cTn>
+                  </p:par>
+                  <p:par>
+                    <p:cTn id="19" fill="hold">
+                      <p:stCondLst>
+                        <p:cond delay="indefinite"/>
+                      </p:stCondLst>
+                      <p:childTnLst>
+                        <p:par>
+                          <p:cTn id="20" fill="hold">
+                            <p:stCondLst>
+                              <p:cond delay="0"/>
+                            </p:stCondLst>
+                            <p:childTnLst>
+                              <p:par>
+                                <p:cTn id="21" presetID="1" presetClass="entr" presetSubtype="0" fill="hold" nodeType="clickEffect">
+                                  <p:stCondLst>
+                                    <p:cond delay="0"/>
+                                  </p:stCondLst>
+                                  <p:childTnLst>
+                                    <p:set>
+                                      <p:cBhvr>
+                                        <p:cTn id="22" dur="1" fill="hold">
+                                          <p:stCondLst>
+                                            <p:cond delay="0"/>
+                                          </p:stCondLst>
+                                        </p:cTn>
+                                        <p:tgtEl>
+                                          <p:spTgt spid="6">
+                                            <p:txEl>
+                                              <p:pRg st="4" end="4"/>
+                                            </p:txEl>
+                                          </p:spTgt>
+                                        </p:tgtEl>
+                                        <p:attrNameLst>
+                                          <p:attrName>style.visibility</p:attrName>
+                                        </p:attrNameLst>
+                                      </p:cBhvr>
+                                      <p:to>
+                                        <p:strVal val="visible"/>
+                                      </p:to>
+                                    </p:set>
+                                  </p:childTnLst>
+                                </p:cTn>
+                              </p:par>
+                            </p:childTnLst>
+                          </p:cTn>
+                        </p:par>
+                      </p:childTnLst>
+                    </p:cTn>
+                  </p:par>
+                  <p:par>
+                    <p:cTn id="23" fill="hold">
+                      <p:stCondLst>
+                        <p:cond delay="indefinite"/>
+                      </p:stCondLst>
+                      <p:childTnLst>
+                        <p:par>
+                          <p:cTn id="24" fill="hold">
+                            <p:stCondLst>
+                              <p:cond delay="0"/>
+                            </p:stCondLst>
+                            <p:childTnLst>
+                              <p:par>
+                                <p:cTn id="25" presetID="1" presetClass="entr" presetSubtype="0" fill="hold" nodeType="clickEffect">
+                                  <p:stCondLst>
+                                    <p:cond delay="0"/>
+                                  </p:stCondLst>
+                                  <p:childTnLst>
+                                    <p:set>
+                                      <p:cBhvr>
+                                        <p:cTn id="26" dur="1" fill="hold">
+                                          <p:stCondLst>
+                                            <p:cond delay="0"/>
+                                          </p:stCondLst>
+                                        </p:cTn>
+                                        <p:tgtEl>
+                                          <p:spTgt spid="6">
+                                            <p:txEl>
+                                              <p:pRg st="5" end="5"/>
+                                            </p:txEl>
+                                          </p:spTgt>
+                                        </p:tgtEl>
+                                        <p:attrNameLst>
+                                          <p:attrName>style.visibility</p:attrName>
+                                        </p:attrNameLst>
+                                      </p:cBhvr>
+                                      <p:to>
+                                        <p:strVal val="visible"/>
+                                      </p:to>
+                                    </p:set>
+                                  </p:childTnLst>
+                                </p:cTn>
+                              </p:par>
+                            </p:childTnLst>
+                          </p:cTn>
+                        </p:par>
+                      </p:childTnLst>
+                    </p:cTn>
+                  </p:par>
+                  <p:par>
+                    <p:cTn id="27" fill="hold">
+                      <p:stCondLst>
+                        <p:cond delay="indefinite"/>
+                      </p:stCondLst>
+                      <p:childTnLst>
+                        <p:par>
+                          <p:cTn id="28" fill="hold">
+                            <p:stCondLst>
+                              <p:cond delay="0"/>
+                            </p:stCondLst>
+                            <p:childTnLst>
+                              <p:par>
+                                <p:cTn id="29" presetID="1" presetClass="entr" presetSubtype="0" fill="hold" nodeType="clickEffect">
+                                  <p:stCondLst>
+                                    <p:cond delay="0"/>
+                                  </p:stCondLst>
+                                  <p:childTnLst>
+                                    <p:set>
+                                      <p:cBhvr>
+                                        <p:cTn id="30" dur="1" fill="hold">
+                                          <p:stCondLst>
+                                            <p:cond delay="0"/>
+                                          </p:stCondLst>
+                                        </p:cTn>
+                                        <p:tgtEl>
+                                          <p:spTgt spid="6">
+                                            <p:txEl>
+                                              <p:pRg st="6" end="6"/>
+                                            </p:txEl>
+                                          </p:spTgt>
+                                        </p:tgtEl>
+                                        <p:attrNameLst>
+                                          <p:attrName>style.visibility</p:attrName>
+                                        </p:attrNameLst>
+                                      </p:cBhvr>
+                                      <p:to>
+                                        <p:strVal val="visible"/>
+                                      </p:to>
+                                    </p:set>
+                                  </p:childTnLst>
+                                </p:cTn>
+                              </p:par>
+                            </p:childTnLst>
+                          </p:cTn>
+                        </p:par>
+                      </p:childTnLst>
+                    </p:cTn>
+                  </p:par>
+                  <p:par>
+                    <p:cTn id="31" fill="hold">
+                      <p:stCondLst>
+                        <p:cond delay="indefinite"/>
+                      </p:stCondLst>
+                      <p:childTnLst>
+                        <p:par>
+                          <p:cTn id="32" fill="hold">
+                            <p:stCondLst>
+                              <p:cond delay="0"/>
+                            </p:stCondLst>
+                            <p:childTnLst>
+                              <p:par>
+                                <p:cTn id="33" presetID="1" presetClass="entr" presetSubtype="0" fill="hold" nodeType="clickEffect">
+                                  <p:stCondLst>
+                                    <p:cond delay="0"/>
+                                  </p:stCondLst>
+                                  <p:childTnLst>
+                                    <p:set>
+                                      <p:cBhvr>
+                                        <p:cTn id="34" dur="1" fill="hold">
+                                          <p:stCondLst>
+                                            <p:cond delay="0"/>
+                                          </p:stCondLst>
+                                        </p:cTn>
+                                        <p:tgtEl>
+                                          <p:spTgt spid="6">
+                                            <p:txEl>
+                                              <p:pRg st="7" end="7"/>
+                                            </p:txEl>
+                                          </p:spTgt>
+                                        </p:tgtEl>
+                                        <p:attrNameLst>
+                                          <p:attrName>style.visibility</p:attrName>
+                                        </p:attrNameLst>
+                                      </p:cBhvr>
+                                      <p:to>
+                                        <p:strVal val="visible"/>
+                                      </p:to>
+                                    </p:set>
+                                  </p:childTnLst>
+                                </p:cTn>
+                              </p:par>
+                            </p:childTnLst>
+                          </p:cTn>
+                        </p:par>
+                      </p:childTnLst>
+                    </p:cTn>
+                  </p:par>
+                </p:childTnLst>
+              </p:cTn>
+              <p:prevCondLst>
+                <p:cond evt="onPrev" delay="0">
+                  <p:tgtEl>
+                    <p:sldTgt/>
+                  </p:tgtEl>
+                </p:cond>
+              </p:prevCondLst>
+              <p:nextCondLst>
+                <p:cond evt="onNext" delay="0">
+                  <p:tgtEl>
+                    <p:sldTgt/>
+                  </p:tgtEl>
+                </p:cond>
+              </p:nextCondLst>
+            </p:seq>
+          </p:childTnLst>
+        </p:cTn>
+      </p:par>
+    </p:tnLst>
+  </p:timing>
 </p:sld>
 </file>
 
@@ -8954,7 +9376,7 @@
         <p:spPr>
           <a:xfrm>
             <a:off x="838199" y="3164946"/>
-            <a:ext cx="4817533" cy="1985159"/>
+            <a:ext cx="4817533" cy="2231380"/>
           </a:xfrm>
           <a:prstGeom prst="rect">
             <a:avLst/>
@@ -8976,15 +9398,27 @@
             </a:pPr>
             <a:r>
               <a:rPr lang="en-US" sz="1600" dirty="0"/>
-              <a:t>In the `</a:t>
+              <a:t>For missing `</a:t>
             </a:r>
             <a:r>
               <a:rPr lang="en-US" sz="1600" b="1" dirty="0" err="1"/>
               <a:t>acre_lot</a:t>
             </a:r>
             <a:r>
+              <a:rPr lang="en-US" sz="1600" b="1" dirty="0"/>
+              <a:t>` </a:t>
+            </a:r>
+            <a:r>
               <a:rPr lang="en-US" sz="1600" dirty="0"/>
-              <a:t>` field, we assigned a value of 0 to all records representing apartments or condos</a:t>
+              <a:t>data, we used the listing `</a:t>
+            </a:r>
+            <a:r>
+              <a:rPr lang="en-US" sz="1600" b="1" dirty="0"/>
+              <a:t>address</a:t>
+            </a:r>
+            <a:r>
+              <a:rPr lang="en-US" sz="1600" dirty="0"/>
+              <a:t>` to identify and assign values of 0 for apartments and condos</a:t>
             </a:r>
           </a:p>
           <a:p>
@@ -9037,7 +9471,7 @@
         </p:nvSpPr>
         <p:spPr>
           <a:xfrm>
-            <a:off x="838199" y="5548843"/>
+            <a:off x="838199" y="5806297"/>
             <a:ext cx="2142067" cy="707886"/>
           </a:xfrm>
           <a:prstGeom prst="rect">
@@ -9088,7 +9522,7 @@
         </p:nvSpPr>
         <p:spPr>
           <a:xfrm>
-            <a:off x="3246965" y="5548843"/>
+            <a:off x="3246965" y="5806297"/>
             <a:ext cx="2142067" cy="707886"/>
           </a:xfrm>
           <a:prstGeom prst="rect">
@@ -9194,14 +9628,14 @@
           <p:nvPr>
             <p:extLst>
               <p:ext uri="{D42A27DB-BD31-4B8C-83A1-F6EECF244321}">
-                <p14:modId xmlns:p14="http://schemas.microsoft.com/office/powerpoint/2010/main" val="3313921841"/>
+                <p14:modId xmlns:p14="http://schemas.microsoft.com/office/powerpoint/2010/main" val="653546473"/>
               </p:ext>
             </p:extLst>
           </p:nvPr>
         </p:nvGraphicFramePr>
         <p:xfrm>
           <a:off x="6493932" y="3158566"/>
-          <a:ext cx="4809066" cy="1934928"/>
+          <a:ext cx="4809066" cy="1612440"/>
         </p:xfrm>
         <a:graphic>
           <a:graphicData uri="http://schemas.openxmlformats.org/drawingml/2006/table">
@@ -9487,127 +9921,6 @@
                     <a:lstStyle/>
                     <a:p>
                       <a:r>
-                        <a:rPr lang="en-US" sz="1400" dirty="0">
-                          <a:solidFill>
-                            <a:sysClr val="windowText" lastClr="000000"/>
-                          </a:solidFill>
-                        </a:rPr>
-                        <a:t>address</a:t>
-                      </a:r>
-                    </a:p>
-                  </a:txBody>
-                  <a:tcPr anchor="ctr">
-                    <a:lnL w="12700" cap="flat" cmpd="sng" algn="ctr">
-                      <a:solidFill>
-                        <a:schemeClr val="tx1"/>
-                      </a:solidFill>
-                      <a:prstDash val="solid"/>
-                      <a:round/>
-                      <a:headEnd type="none" w="med" len="med"/>
-                      <a:tailEnd type="none" w="med" len="med"/>
-                    </a:lnL>
-                    <a:lnR w="12700" cmpd="sng">
-                      <a:noFill/>
-                    </a:lnR>
-                    <a:lnT w="12700" cap="flat" cmpd="sng" algn="ctr">
-                      <a:solidFill>
-                        <a:schemeClr val="tx1"/>
-                      </a:solidFill>
-                      <a:prstDash val="sysDot"/>
-                      <a:round/>
-                      <a:headEnd type="none" w="med" len="med"/>
-                      <a:tailEnd type="none" w="med" len="med"/>
-                    </a:lnT>
-                    <a:lnB w="12700" cap="flat" cmpd="sng" algn="ctr">
-                      <a:solidFill>
-                        <a:schemeClr val="tx1"/>
-                      </a:solidFill>
-                      <a:prstDash val="sysDot"/>
-                      <a:round/>
-                      <a:headEnd type="none" w="med" len="med"/>
-                      <a:tailEnd type="none" w="med" len="med"/>
-                    </a:lnB>
-                    <a:lnTlToBr w="12700" cmpd="sng">
-                      <a:noFill/>
-                      <a:prstDash val="solid"/>
-                    </a:lnTlToBr>
-                    <a:lnBlToTr w="12700" cmpd="sng">
-                      <a:noFill/>
-                      <a:prstDash val="solid"/>
-                    </a:lnBlToTr>
-                    <a:noFill/>
-                  </a:tcPr>
-                </a:tc>
-                <a:tc>
-                  <a:txBody>
-                    <a:bodyPr/>
-                    <a:lstStyle/>
-                    <a:p>
-                      <a:r>
-                        <a:rPr lang="en-US" sz="1400" dirty="0">
-                          <a:solidFill>
-                            <a:sysClr val="windowText" lastClr="000000"/>
-                          </a:solidFill>
-                        </a:rPr>
-                        <a:t>234 (3%)</a:t>
-                      </a:r>
-                    </a:p>
-                  </a:txBody>
-                  <a:tcPr anchor="ctr">
-                    <a:lnL w="12700" cmpd="sng">
-                      <a:noFill/>
-                    </a:lnL>
-                    <a:lnR w="12700" cap="flat" cmpd="sng" algn="ctr">
-                      <a:solidFill>
-                        <a:schemeClr val="tx1"/>
-                      </a:solidFill>
-                      <a:prstDash val="solid"/>
-                      <a:round/>
-                      <a:headEnd type="none" w="med" len="med"/>
-                      <a:tailEnd type="none" w="med" len="med"/>
-                    </a:lnR>
-                    <a:lnT w="12700" cap="flat" cmpd="sng" algn="ctr">
-                      <a:solidFill>
-                        <a:schemeClr val="tx1"/>
-                      </a:solidFill>
-                      <a:prstDash val="sysDot"/>
-                      <a:round/>
-                      <a:headEnd type="none" w="med" len="med"/>
-                      <a:tailEnd type="none" w="med" len="med"/>
-                    </a:lnT>
-                    <a:lnB w="12700" cap="flat" cmpd="sng" algn="ctr">
-                      <a:solidFill>
-                        <a:schemeClr val="tx1"/>
-                      </a:solidFill>
-                      <a:prstDash val="sysDot"/>
-                      <a:round/>
-                      <a:headEnd type="none" w="med" len="med"/>
-                      <a:tailEnd type="none" w="med" len="med"/>
-                    </a:lnB>
-                    <a:lnTlToBr w="12700" cmpd="sng">
-                      <a:noFill/>
-                      <a:prstDash val="solid"/>
-                    </a:lnTlToBr>
-                    <a:lnBlToTr w="12700" cmpd="sng">
-                      <a:noFill/>
-                      <a:prstDash val="solid"/>
-                    </a:lnBlToTr>
-                    <a:noFill/>
-                  </a:tcPr>
-                </a:tc>
-                <a:extLst>
-                  <a:ext uri="{0D108BD9-81ED-4DB2-BD59-A6C34878D82A}">
-                    <a16:rowId xmlns:a16="http://schemas.microsoft.com/office/drawing/2014/main" val="3564904217"/>
-                  </a:ext>
-                </a:extLst>
-              </a:tr>
-              <a:tr h="322488">
-                <a:tc>
-                  <a:txBody>
-                    <a:bodyPr/>
-                    <a:lstStyle/>
-                    <a:p>
-                      <a:r>
                         <a:rPr lang="en-US" sz="1400" dirty="0" err="1">
                           <a:solidFill>
                             <a:sysClr val="windowText" lastClr="000000"/>
@@ -9987,7 +10300,7 @@
         </p:nvSpPr>
         <p:spPr>
           <a:xfrm>
-            <a:off x="7930621" y="5548843"/>
+            <a:off x="7912866" y="5091598"/>
             <a:ext cx="2142067" cy="538609"/>
           </a:xfrm>
           <a:prstGeom prst="rect">
@@ -10004,7 +10317,7 @@
             <a:pPr algn="ctr"/>
             <a:r>
               <a:rPr lang="en-US" dirty="0"/>
-              <a:t>2,563 (33%) Records</a:t>
+              <a:t>2,329 (30%) Records</a:t>
             </a:r>
           </a:p>
           <a:p>
@@ -10026,6 +10339,346 @@
   <p:clrMapOvr>
     <a:masterClrMapping/>
   </p:clrMapOvr>
+  <p:timing>
+    <p:tnLst>
+      <p:par>
+        <p:cTn id="1" dur="indefinite" restart="never" nodeType="tmRoot">
+          <p:childTnLst>
+            <p:seq concurrent="1" nextAc="seek">
+              <p:cTn id="2" dur="indefinite" nodeType="mainSeq">
+                <p:childTnLst>
+                  <p:par>
+                    <p:cTn id="3" fill="hold">
+                      <p:stCondLst>
+                        <p:cond delay="indefinite"/>
+                      </p:stCondLst>
+                      <p:childTnLst>
+                        <p:par>
+                          <p:cTn id="4" fill="hold">
+                            <p:stCondLst>
+                              <p:cond delay="0"/>
+                            </p:stCondLst>
+                            <p:childTnLst>
+                              <p:par>
+                                <p:cTn id="5" presetID="1" presetClass="entr" presetSubtype="0" fill="hold" nodeType="clickEffect">
+                                  <p:stCondLst>
+                                    <p:cond delay="0"/>
+                                  </p:stCondLst>
+                                  <p:childTnLst>
+                                    <p:set>
+                                      <p:cBhvr>
+                                        <p:cTn id="6" dur="1" fill="hold">
+                                          <p:stCondLst>
+                                            <p:cond delay="0"/>
+                                          </p:stCondLst>
+                                        </p:cTn>
+                                        <p:tgtEl>
+                                          <p:spTgt spid="18">
+                                            <p:txEl>
+                                              <p:pRg st="0" end="0"/>
+                                            </p:txEl>
+                                          </p:spTgt>
+                                        </p:tgtEl>
+                                        <p:attrNameLst>
+                                          <p:attrName>style.visibility</p:attrName>
+                                        </p:attrNameLst>
+                                      </p:cBhvr>
+                                      <p:to>
+                                        <p:strVal val="visible"/>
+                                      </p:to>
+                                    </p:set>
+                                  </p:childTnLst>
+                                </p:cTn>
+                              </p:par>
+                              <p:par>
+                                <p:cTn id="7" presetID="1" presetClass="entr" presetSubtype="0" fill="hold" nodeType="withEffect">
+                                  <p:stCondLst>
+                                    <p:cond delay="0"/>
+                                  </p:stCondLst>
+                                  <p:childTnLst>
+                                    <p:set>
+                                      <p:cBhvr>
+                                        <p:cTn id="8" dur="1" fill="hold">
+                                          <p:stCondLst>
+                                            <p:cond delay="0"/>
+                                          </p:stCondLst>
+                                        </p:cTn>
+                                        <p:tgtEl>
+                                          <p:spTgt spid="18">
+                                            <p:txEl>
+                                              <p:pRg st="1" end="1"/>
+                                            </p:txEl>
+                                          </p:spTgt>
+                                        </p:tgtEl>
+                                        <p:attrNameLst>
+                                          <p:attrName>style.visibility</p:attrName>
+                                        </p:attrNameLst>
+                                      </p:cBhvr>
+                                      <p:to>
+                                        <p:strVal val="visible"/>
+                                      </p:to>
+                                    </p:set>
+                                  </p:childTnLst>
+                                </p:cTn>
+                              </p:par>
+                              <p:par>
+                                <p:cTn id="9" presetID="1" presetClass="entr" presetSubtype="0" fill="hold" grpId="0" nodeType="withEffect">
+                                  <p:stCondLst>
+                                    <p:cond delay="0"/>
+                                  </p:stCondLst>
+                                  <p:childTnLst>
+                                    <p:set>
+                                      <p:cBhvr>
+                                        <p:cTn id="10" dur="1" fill="hold">
+                                          <p:stCondLst>
+                                            <p:cond delay="0"/>
+                                          </p:stCondLst>
+                                        </p:cTn>
+                                        <p:tgtEl>
+                                          <p:spTgt spid="20"/>
+                                        </p:tgtEl>
+                                        <p:attrNameLst>
+                                          <p:attrName>style.visibility</p:attrName>
+                                        </p:attrNameLst>
+                                      </p:cBhvr>
+                                      <p:to>
+                                        <p:strVal val="visible"/>
+                                      </p:to>
+                                    </p:set>
+                                  </p:childTnLst>
+                                </p:cTn>
+                              </p:par>
+                            </p:childTnLst>
+                          </p:cTn>
+                        </p:par>
+                      </p:childTnLst>
+                    </p:cTn>
+                  </p:par>
+                  <p:par>
+                    <p:cTn id="11" fill="hold">
+                      <p:stCondLst>
+                        <p:cond delay="indefinite"/>
+                      </p:stCondLst>
+                      <p:childTnLst>
+                        <p:par>
+                          <p:cTn id="12" fill="hold">
+                            <p:stCondLst>
+                              <p:cond delay="0"/>
+                            </p:stCondLst>
+                            <p:childTnLst>
+                              <p:par>
+                                <p:cTn id="13" presetID="1" presetClass="entr" presetSubtype="0" fill="hold" nodeType="clickEffect">
+                                  <p:stCondLst>
+                                    <p:cond delay="0"/>
+                                  </p:stCondLst>
+                                  <p:childTnLst>
+                                    <p:set>
+                                      <p:cBhvr>
+                                        <p:cTn id="14" dur="1" fill="hold">
+                                          <p:stCondLst>
+                                            <p:cond delay="0"/>
+                                          </p:stCondLst>
+                                        </p:cTn>
+                                        <p:tgtEl>
+                                          <p:spTgt spid="18">
+                                            <p:txEl>
+                                              <p:pRg st="2" end="2"/>
+                                            </p:txEl>
+                                          </p:spTgt>
+                                        </p:tgtEl>
+                                        <p:attrNameLst>
+                                          <p:attrName>style.visibility</p:attrName>
+                                        </p:attrNameLst>
+                                      </p:cBhvr>
+                                      <p:to>
+                                        <p:strVal val="visible"/>
+                                      </p:to>
+                                    </p:set>
+                                  </p:childTnLst>
+                                </p:cTn>
+                              </p:par>
+                              <p:par>
+                                <p:cTn id="15" presetID="1" presetClass="entr" presetSubtype="0" fill="hold" nodeType="withEffect">
+                                  <p:stCondLst>
+                                    <p:cond delay="0"/>
+                                  </p:stCondLst>
+                                  <p:childTnLst>
+                                    <p:set>
+                                      <p:cBhvr>
+                                        <p:cTn id="16" dur="1" fill="hold">
+                                          <p:stCondLst>
+                                            <p:cond delay="0"/>
+                                          </p:stCondLst>
+                                        </p:cTn>
+                                        <p:tgtEl>
+                                          <p:spTgt spid="21">
+                                            <p:txEl>
+                                              <p:pRg st="0" end="0"/>
+                                            </p:txEl>
+                                          </p:spTgt>
+                                        </p:tgtEl>
+                                        <p:attrNameLst>
+                                          <p:attrName>style.visibility</p:attrName>
+                                        </p:attrNameLst>
+                                      </p:cBhvr>
+                                      <p:to>
+                                        <p:strVal val="visible"/>
+                                      </p:to>
+                                    </p:set>
+                                  </p:childTnLst>
+                                </p:cTn>
+                              </p:par>
+                              <p:par>
+                                <p:cTn id="17" presetID="1" presetClass="entr" presetSubtype="0" fill="hold" nodeType="withEffect">
+                                  <p:stCondLst>
+                                    <p:cond delay="0"/>
+                                  </p:stCondLst>
+                                  <p:childTnLst>
+                                    <p:set>
+                                      <p:cBhvr>
+                                        <p:cTn id="18" dur="1" fill="hold">
+                                          <p:stCondLst>
+                                            <p:cond delay="0"/>
+                                          </p:stCondLst>
+                                        </p:cTn>
+                                        <p:tgtEl>
+                                          <p:spTgt spid="21">
+                                            <p:txEl>
+                                              <p:pRg st="1" end="1"/>
+                                            </p:txEl>
+                                          </p:spTgt>
+                                        </p:tgtEl>
+                                        <p:attrNameLst>
+                                          <p:attrName>style.visibility</p:attrName>
+                                        </p:attrNameLst>
+                                      </p:cBhvr>
+                                      <p:to>
+                                        <p:strVal val="visible"/>
+                                      </p:to>
+                                    </p:set>
+                                  </p:childTnLst>
+                                </p:cTn>
+                              </p:par>
+                            </p:childTnLst>
+                          </p:cTn>
+                        </p:par>
+                      </p:childTnLst>
+                    </p:cTn>
+                  </p:par>
+                  <p:par>
+                    <p:cTn id="19" fill="hold">
+                      <p:stCondLst>
+                        <p:cond delay="indefinite"/>
+                      </p:stCondLst>
+                      <p:childTnLst>
+                        <p:par>
+                          <p:cTn id="20" fill="hold">
+                            <p:stCondLst>
+                              <p:cond delay="0"/>
+                            </p:stCondLst>
+                            <p:childTnLst>
+                              <p:par>
+                                <p:cTn id="21" presetID="10" presetClass="entr" presetSubtype="0" fill="hold" nodeType="clickEffect">
+                                  <p:stCondLst>
+                                    <p:cond delay="0"/>
+                                  </p:stCondLst>
+                                  <p:childTnLst>
+                                    <p:set>
+                                      <p:cBhvr>
+                                        <p:cTn id="22" dur="1" fill="hold">
+                                          <p:stCondLst>
+                                            <p:cond delay="0"/>
+                                          </p:stCondLst>
+                                        </p:cTn>
+                                        <p:tgtEl>
+                                          <p:spTgt spid="26"/>
+                                        </p:tgtEl>
+                                        <p:attrNameLst>
+                                          <p:attrName>style.visibility</p:attrName>
+                                        </p:attrNameLst>
+                                      </p:cBhvr>
+                                      <p:to>
+                                        <p:strVal val="visible"/>
+                                      </p:to>
+                                    </p:set>
+                                    <p:animEffect transition="in" filter="fade">
+                                      <p:cBhvr>
+                                        <p:cTn id="23" dur="500"/>
+                                        <p:tgtEl>
+                                          <p:spTgt spid="26"/>
+                                        </p:tgtEl>
+                                      </p:cBhvr>
+                                    </p:animEffect>
+                                  </p:childTnLst>
+                                </p:cTn>
+                              </p:par>
+                              <p:par>
+                                <p:cTn id="24" presetID="10" presetClass="entr" presetSubtype="0" fill="hold" grpId="0" nodeType="withEffect">
+                                  <p:stCondLst>
+                                    <p:cond delay="0"/>
+                                  </p:stCondLst>
+                                  <p:childTnLst>
+                                    <p:set>
+                                      <p:cBhvr>
+                                        <p:cTn id="25" dur="1" fill="hold">
+                                          <p:stCondLst>
+                                            <p:cond delay="0"/>
+                                          </p:stCondLst>
+                                        </p:cTn>
+                                        <p:tgtEl>
+                                          <p:spTgt spid="27"/>
+                                        </p:tgtEl>
+                                        <p:attrNameLst>
+                                          <p:attrName>style.visibility</p:attrName>
+                                        </p:attrNameLst>
+                                      </p:cBhvr>
+                                      <p:to>
+                                        <p:strVal val="visible"/>
+                                      </p:to>
+                                    </p:set>
+                                    <p:animEffect transition="in" filter="fade">
+                                      <p:cBhvr>
+                                        <p:cTn id="26" dur="500"/>
+                                        <p:tgtEl>
+                                          <p:spTgt spid="27"/>
+                                        </p:tgtEl>
+                                      </p:cBhvr>
+                                    </p:animEffect>
+                                  </p:childTnLst>
+                                </p:cTn>
+                              </p:par>
+                            </p:childTnLst>
+                          </p:cTn>
+                        </p:par>
+                      </p:childTnLst>
+                    </p:cTn>
+                  </p:par>
+                </p:childTnLst>
+              </p:cTn>
+              <p:prevCondLst>
+                <p:cond evt="onPrev" delay="0">
+                  <p:tgtEl>
+                    <p:sldTgt/>
+                  </p:tgtEl>
+                </p:cond>
+              </p:prevCondLst>
+              <p:nextCondLst>
+                <p:cond evt="onNext" delay="0">
+                  <p:tgtEl>
+                    <p:sldTgt/>
+                  </p:tgtEl>
+                </p:cond>
+              </p:nextCondLst>
+            </p:seq>
+          </p:childTnLst>
+        </p:cTn>
+      </p:par>
+    </p:tnLst>
+    <p:bldLst>
+      <p:bldP spid="20" grpId="0"/>
+      <p:bldP spid="27" grpId="0"/>
+    </p:bldLst>
+  </p:timing>
 </p:sld>
 </file>
 
